--- a/Chap/OOProg01/Presentations/Static.pptx
+++ b/Chap/OOProg01/Presentations/Static.pptx
@@ -262,7 +262,7 @@
           <a:p>
             <a:fld id="{E15B7D8E-2A20-4C0E-991C-872DBB7459A8}" type="datetimeFigureOut">
               <a:rPr lang="da-DK" smtClean="0"/>
-              <a:t>11-08-2022</a:t>
+              <a:t>24-08-2024</a:t>
             </a:fld>
             <a:endParaRPr lang="da-DK"/>
           </a:p>
@@ -320,6 +320,18 @@
   <p:clrMapOvr>
     <a:masterClrMapping/>
   </p:clrMapOvr>
+  <mc:AlternateContent xmlns:mc="http://schemas.openxmlformats.org/markup-compatibility/2006">
+    <mc:Choice xmlns:p14="http://schemas.microsoft.com/office/powerpoint/2010/main" Requires="p14">
+      <p:transition spd="med" p14:dur="700">
+        <p:fade/>
+      </p:transition>
+    </mc:Choice>
+    <mc:Fallback>
+      <p:transition spd="med">
+        <p:fade/>
+      </p:transition>
+    </mc:Fallback>
+  </mc:AlternateContent>
 </p:sldLayout>
 </file>
 
@@ -430,7 +442,7 @@
           <a:p>
             <a:fld id="{E15B7D8E-2A20-4C0E-991C-872DBB7459A8}" type="datetimeFigureOut">
               <a:rPr lang="da-DK" smtClean="0"/>
-              <a:t>11-08-2022</a:t>
+              <a:t>24-08-2024</a:t>
             </a:fld>
             <a:endParaRPr lang="da-DK"/>
           </a:p>
@@ -488,6 +500,18 @@
   <p:clrMapOvr>
     <a:masterClrMapping/>
   </p:clrMapOvr>
+  <mc:AlternateContent xmlns:mc="http://schemas.openxmlformats.org/markup-compatibility/2006">
+    <mc:Choice xmlns:p14="http://schemas.microsoft.com/office/powerpoint/2010/main" Requires="p14">
+      <p:transition spd="med" p14:dur="700">
+        <p:fade/>
+      </p:transition>
+    </mc:Choice>
+    <mc:Fallback>
+      <p:transition spd="med">
+        <p:fade/>
+      </p:transition>
+    </mc:Fallback>
+  </mc:AlternateContent>
 </p:sldLayout>
 </file>
 
@@ -608,7 +632,7 @@
           <a:p>
             <a:fld id="{E15B7D8E-2A20-4C0E-991C-872DBB7459A8}" type="datetimeFigureOut">
               <a:rPr lang="da-DK" smtClean="0"/>
-              <a:t>11-08-2022</a:t>
+              <a:t>24-08-2024</a:t>
             </a:fld>
             <a:endParaRPr lang="da-DK"/>
           </a:p>
@@ -666,6 +690,18 @@
   <p:clrMapOvr>
     <a:masterClrMapping/>
   </p:clrMapOvr>
+  <mc:AlternateContent xmlns:mc="http://schemas.openxmlformats.org/markup-compatibility/2006">
+    <mc:Choice xmlns:p14="http://schemas.microsoft.com/office/powerpoint/2010/main" Requires="p14">
+      <p:transition spd="med" p14:dur="700">
+        <p:fade/>
+      </p:transition>
+    </mc:Choice>
+    <mc:Fallback>
+      <p:transition spd="med">
+        <p:fade/>
+      </p:transition>
+    </mc:Fallback>
+  </mc:AlternateContent>
 </p:sldLayout>
 </file>
 
@@ -776,7 +812,7 @@
           <a:p>
             <a:fld id="{E15B7D8E-2A20-4C0E-991C-872DBB7459A8}" type="datetimeFigureOut">
               <a:rPr lang="da-DK" smtClean="0"/>
-              <a:t>11-08-2022</a:t>
+              <a:t>24-08-2024</a:t>
             </a:fld>
             <a:endParaRPr lang="da-DK"/>
           </a:p>
@@ -834,6 +870,18 @@
   <p:clrMapOvr>
     <a:masterClrMapping/>
   </p:clrMapOvr>
+  <mc:AlternateContent xmlns:mc="http://schemas.openxmlformats.org/markup-compatibility/2006">
+    <mc:Choice xmlns:p14="http://schemas.microsoft.com/office/powerpoint/2010/main" Requires="p14">
+      <p:transition spd="med" p14:dur="700">
+        <p:fade/>
+      </p:transition>
+    </mc:Choice>
+    <mc:Fallback>
+      <p:transition spd="med">
+        <p:fade/>
+      </p:transition>
+    </mc:Fallback>
+  </mc:AlternateContent>
 </p:sldLayout>
 </file>
 
@@ -1021,7 +1069,7 @@
           <a:p>
             <a:fld id="{E15B7D8E-2A20-4C0E-991C-872DBB7459A8}" type="datetimeFigureOut">
               <a:rPr lang="da-DK" smtClean="0"/>
-              <a:t>11-08-2022</a:t>
+              <a:t>24-08-2024</a:t>
             </a:fld>
             <a:endParaRPr lang="da-DK"/>
           </a:p>
@@ -1079,6 +1127,18 @@
   <p:clrMapOvr>
     <a:masterClrMapping/>
   </p:clrMapOvr>
+  <mc:AlternateContent xmlns:mc="http://schemas.openxmlformats.org/markup-compatibility/2006">
+    <mc:Choice xmlns:p14="http://schemas.microsoft.com/office/powerpoint/2010/main" Requires="p14">
+      <p:transition spd="med" p14:dur="700">
+        <p:fade/>
+      </p:transition>
+    </mc:Choice>
+    <mc:Fallback>
+      <p:transition spd="med">
+        <p:fade/>
+      </p:transition>
+    </mc:Fallback>
+  </mc:AlternateContent>
 </p:sldLayout>
 </file>
 
@@ -1250,7 +1310,7 @@
           <a:p>
             <a:fld id="{E15B7D8E-2A20-4C0E-991C-872DBB7459A8}" type="datetimeFigureOut">
               <a:rPr lang="da-DK" smtClean="0"/>
-              <a:t>11-08-2022</a:t>
+              <a:t>24-08-2024</a:t>
             </a:fld>
             <a:endParaRPr lang="da-DK"/>
           </a:p>
@@ -1308,6 +1368,18 @@
   <p:clrMapOvr>
     <a:masterClrMapping/>
   </p:clrMapOvr>
+  <mc:AlternateContent xmlns:mc="http://schemas.openxmlformats.org/markup-compatibility/2006">
+    <mc:Choice xmlns:p14="http://schemas.microsoft.com/office/powerpoint/2010/main" Requires="p14">
+      <p:transition spd="med" p14:dur="700">
+        <p:fade/>
+      </p:transition>
+    </mc:Choice>
+    <mc:Fallback>
+      <p:transition spd="med">
+        <p:fade/>
+      </p:transition>
+    </mc:Fallback>
+  </mc:AlternateContent>
 </p:sldLayout>
 </file>
 
@@ -1614,7 +1686,7 @@
           <a:p>
             <a:fld id="{E15B7D8E-2A20-4C0E-991C-872DBB7459A8}" type="datetimeFigureOut">
               <a:rPr lang="da-DK" smtClean="0"/>
-              <a:t>11-08-2022</a:t>
+              <a:t>24-08-2024</a:t>
             </a:fld>
             <a:endParaRPr lang="da-DK"/>
           </a:p>
@@ -1672,6 +1744,18 @@
   <p:clrMapOvr>
     <a:masterClrMapping/>
   </p:clrMapOvr>
+  <mc:AlternateContent xmlns:mc="http://schemas.openxmlformats.org/markup-compatibility/2006">
+    <mc:Choice xmlns:p14="http://schemas.microsoft.com/office/powerpoint/2010/main" Requires="p14">
+      <p:transition spd="med" p14:dur="700">
+        <p:fade/>
+      </p:transition>
+    </mc:Choice>
+    <mc:Fallback>
+      <p:transition spd="med">
+        <p:fade/>
+      </p:transition>
+    </mc:Fallback>
+  </mc:AlternateContent>
 </p:sldLayout>
 </file>
 
@@ -1731,7 +1815,7 @@
           <a:p>
             <a:fld id="{E15B7D8E-2A20-4C0E-991C-872DBB7459A8}" type="datetimeFigureOut">
               <a:rPr lang="da-DK" smtClean="0"/>
-              <a:t>11-08-2022</a:t>
+              <a:t>24-08-2024</a:t>
             </a:fld>
             <a:endParaRPr lang="da-DK"/>
           </a:p>
@@ -1789,6 +1873,18 @@
   <p:clrMapOvr>
     <a:masterClrMapping/>
   </p:clrMapOvr>
+  <mc:AlternateContent xmlns:mc="http://schemas.openxmlformats.org/markup-compatibility/2006">
+    <mc:Choice xmlns:p14="http://schemas.microsoft.com/office/powerpoint/2010/main" Requires="p14">
+      <p:transition spd="med" p14:dur="700">
+        <p:fade/>
+      </p:transition>
+    </mc:Choice>
+    <mc:Fallback>
+      <p:transition spd="med">
+        <p:fade/>
+      </p:transition>
+    </mc:Fallback>
+  </mc:AlternateContent>
 </p:sldLayout>
 </file>
 
@@ -1826,7 +1922,7 @@
           <a:p>
             <a:fld id="{E15B7D8E-2A20-4C0E-991C-872DBB7459A8}" type="datetimeFigureOut">
               <a:rPr lang="da-DK" smtClean="0"/>
-              <a:t>11-08-2022</a:t>
+              <a:t>24-08-2024</a:t>
             </a:fld>
             <a:endParaRPr lang="da-DK"/>
           </a:p>
@@ -1884,6 +1980,18 @@
   <p:clrMapOvr>
     <a:masterClrMapping/>
   </p:clrMapOvr>
+  <mc:AlternateContent xmlns:mc="http://schemas.openxmlformats.org/markup-compatibility/2006">
+    <mc:Choice xmlns:p14="http://schemas.microsoft.com/office/powerpoint/2010/main" Requires="p14">
+      <p:transition spd="med" p14:dur="700">
+        <p:fade/>
+      </p:transition>
+    </mc:Choice>
+    <mc:Fallback>
+      <p:transition spd="med">
+        <p:fade/>
+      </p:transition>
+    </mc:Fallback>
+  </mc:AlternateContent>
 </p:sldLayout>
 </file>
 
@@ -2101,7 +2209,7 @@
           <a:p>
             <a:fld id="{E15B7D8E-2A20-4C0E-991C-872DBB7459A8}" type="datetimeFigureOut">
               <a:rPr lang="da-DK" smtClean="0"/>
-              <a:t>11-08-2022</a:t>
+              <a:t>24-08-2024</a:t>
             </a:fld>
             <a:endParaRPr lang="da-DK"/>
           </a:p>
@@ -2159,6 +2267,18 @@
   <p:clrMapOvr>
     <a:masterClrMapping/>
   </p:clrMapOvr>
+  <mc:AlternateContent xmlns:mc="http://schemas.openxmlformats.org/markup-compatibility/2006">
+    <mc:Choice xmlns:p14="http://schemas.microsoft.com/office/powerpoint/2010/main" Requires="p14">
+      <p:transition spd="med" p14:dur="700">
+        <p:fade/>
+      </p:transition>
+    </mc:Choice>
+    <mc:Fallback>
+      <p:transition spd="med">
+        <p:fade/>
+      </p:transition>
+    </mc:Fallback>
+  </mc:AlternateContent>
 </p:sldLayout>
 </file>
 
@@ -2353,7 +2473,7 @@
           <a:p>
             <a:fld id="{E15B7D8E-2A20-4C0E-991C-872DBB7459A8}" type="datetimeFigureOut">
               <a:rPr lang="da-DK" smtClean="0"/>
-              <a:t>11-08-2022</a:t>
+              <a:t>24-08-2024</a:t>
             </a:fld>
             <a:endParaRPr lang="da-DK"/>
           </a:p>
@@ -2411,6 +2531,18 @@
   <p:clrMapOvr>
     <a:masterClrMapping/>
   </p:clrMapOvr>
+  <mc:AlternateContent xmlns:mc="http://schemas.openxmlformats.org/markup-compatibility/2006">
+    <mc:Choice xmlns:p14="http://schemas.microsoft.com/office/powerpoint/2010/main" Requires="p14">
+      <p:transition spd="med" p14:dur="700">
+        <p:fade/>
+      </p:transition>
+    </mc:Choice>
+    <mc:Fallback>
+      <p:transition spd="med">
+        <p:fade/>
+      </p:transition>
+    </mc:Fallback>
+  </mc:AlternateContent>
 </p:sldLayout>
 </file>
 
@@ -2564,7 +2696,7 @@
           <a:p>
             <a:fld id="{E15B7D8E-2A20-4C0E-991C-872DBB7459A8}" type="datetimeFigureOut">
               <a:rPr lang="da-DK" smtClean="0"/>
-              <a:t>11-08-2022</a:t>
+              <a:t>24-08-2024</a:t>
             </a:fld>
             <a:endParaRPr lang="da-DK"/>
           </a:p>
@@ -2669,6 +2801,18 @@
     <p:sldLayoutId id="2147483658" r:id="rId10"/>
     <p:sldLayoutId id="2147483659" r:id="rId11"/>
   </p:sldLayoutIdLst>
+  <mc:AlternateContent xmlns:mc="http://schemas.openxmlformats.org/markup-compatibility/2006">
+    <mc:Choice xmlns:p14="http://schemas.microsoft.com/office/powerpoint/2010/main" Requires="p14">
+      <p:transition spd="med" p14:dur="700">
+        <p:fade/>
+      </p:transition>
+    </mc:Choice>
+    <mc:Fallback>
+      <p:transition spd="med">
+        <p:fade/>
+      </p:transition>
+    </mc:Fallback>
+  </mc:AlternateContent>
   <p:txStyles>
     <p:titleStyle>
       <a:lvl1pPr algn="l" defTabSz="914400" rtl="0" eaLnBrk="1" latinLnBrk="0" hangingPunct="1">
@@ -3018,6 +3162,18 @@
   <p:clrMapOvr>
     <a:masterClrMapping/>
   </p:clrMapOvr>
+  <mc:AlternateContent xmlns:mc="http://schemas.openxmlformats.org/markup-compatibility/2006">
+    <mc:Choice xmlns:p14="http://schemas.microsoft.com/office/powerpoint/2010/main" Requires="p14">
+      <p:transition spd="med" p14:dur="700">
+        <p:fade/>
+      </p:transition>
+    </mc:Choice>
+    <mc:Fallback>
+      <p:transition spd="med">
+        <p:fade/>
+      </p:transition>
+    </mc:Fallback>
+  </mc:AlternateContent>
 </p:sld>
 </file>
 
@@ -3154,6 +3310,18 @@
   <p:clrMapOvr>
     <a:masterClrMapping/>
   </p:clrMapOvr>
+  <mc:AlternateContent xmlns:mc="http://schemas.openxmlformats.org/markup-compatibility/2006">
+    <mc:Choice xmlns:p14="http://schemas.microsoft.com/office/powerpoint/2010/main" Requires="p14">
+      <p:transition spd="med" p14:dur="700">
+        <p:fade/>
+      </p:transition>
+    </mc:Choice>
+    <mc:Fallback>
+      <p:transition spd="med">
+        <p:fade/>
+      </p:transition>
+    </mc:Fallback>
+  </mc:AlternateContent>
   <p:timing>
     <p:tnLst>
       <p:par>
@@ -3331,13 +3499,28 @@
                 </a:solidFill>
                 <a:latin typeface="Consolas" panose="020B0609020204030204" pitchFamily="49" charset="0"/>
               </a:rPr>
-              <a:t>private string </a:t>
-            </a:r>
-            <a:r>
-              <a:rPr lang="da-DK" sz="2800" b="1">
-                <a:latin typeface="Consolas" panose="020B0609020204030204" pitchFamily="49" charset="0"/>
-              </a:rPr>
-              <a:t>_licensePlate;</a:t>
+              <a:t>public string </a:t>
+            </a:r>
+            <a:r>
+              <a:rPr lang="da-DK" sz="2800" b="1">
+                <a:latin typeface="Consolas" panose="020B0609020204030204" pitchFamily="49" charset="0"/>
+              </a:rPr>
+              <a:t>LicensePlate { </a:t>
+            </a:r>
+            <a:r>
+              <a:rPr lang="da-DK" sz="2800" b="1">
+                <a:solidFill>
+                  <a:srgbClr val="0070C0"/>
+                </a:solidFill>
+                <a:latin typeface="Consolas" panose="020B0609020204030204" pitchFamily="49" charset="0"/>
+              </a:rPr>
+              <a:t>get</a:t>
+            </a:r>
+            <a:r>
+              <a:rPr lang="da-DK" sz="2800" b="1">
+                <a:latin typeface="Consolas" panose="020B0609020204030204" pitchFamily="49" charset="0"/>
+              </a:rPr>
+              <a:t>; }</a:t>
             </a:r>
           </a:p>
           <a:p>
@@ -3354,13 +3537,43 @@
                 </a:solidFill>
                 <a:latin typeface="Consolas" panose="020B0609020204030204" pitchFamily="49" charset="0"/>
               </a:rPr>
-              <a:t>private int </a:t>
-            </a:r>
-            <a:r>
-              <a:rPr lang="da-DK" sz="2800" b="1">
-                <a:latin typeface="Consolas" panose="020B0609020204030204" pitchFamily="49" charset="0"/>
-              </a:rPr>
-              <a:t>_price;</a:t>
+              <a:t>public int </a:t>
+            </a:r>
+            <a:r>
+              <a:rPr lang="da-DK" sz="2800" b="1">
+                <a:latin typeface="Consolas" panose="020B0609020204030204" pitchFamily="49" charset="0"/>
+              </a:rPr>
+              <a:t>Price { </a:t>
+            </a:r>
+            <a:r>
+              <a:rPr lang="da-DK" sz="2800" b="1">
+                <a:solidFill>
+                  <a:srgbClr val="0070C0"/>
+                </a:solidFill>
+                <a:latin typeface="Consolas" panose="020B0609020204030204" pitchFamily="49" charset="0"/>
+              </a:rPr>
+              <a:t>get</a:t>
+            </a:r>
+            <a:r>
+              <a:rPr lang="da-DK" sz="2800" b="1">
+                <a:latin typeface="Consolas" panose="020B0609020204030204" pitchFamily="49" charset="0"/>
+              </a:rPr>
+              <a:t>; </a:t>
+            </a:r>
+            <a:r>
+              <a:rPr lang="da-DK" sz="2800" b="1">
+                <a:solidFill>
+                  <a:srgbClr val="0070C0"/>
+                </a:solidFill>
+                <a:latin typeface="Consolas" panose="020B0609020204030204" pitchFamily="49" charset="0"/>
+              </a:rPr>
+              <a:t>set</a:t>
+            </a:r>
+            <a:r>
+              <a:rPr lang="da-DK" sz="2800" b="1">
+                <a:latin typeface="Consolas" panose="020B0609020204030204" pitchFamily="49" charset="0"/>
+              </a:rPr>
+              <a:t>; }</a:t>
             </a:r>
           </a:p>
           <a:p>
@@ -3424,6 +3637,18 @@
   <p:clrMapOvr>
     <a:masterClrMapping/>
   </p:clrMapOvr>
+  <mc:AlternateContent xmlns:mc="http://schemas.openxmlformats.org/markup-compatibility/2006">
+    <mc:Choice xmlns:p14="http://schemas.microsoft.com/office/powerpoint/2010/main" Requires="p14">
+      <p:transition spd="med" p14:dur="700">
+        <p:fade/>
+      </p:transition>
+    </mc:Choice>
+    <mc:Fallback>
+      <p:transition spd="med">
+        <p:fade/>
+      </p:transition>
+    </mc:Fallback>
+  </mc:AlternateContent>
 </p:sld>
 </file>
 
@@ -3481,13 +3706,13 @@
           <a:p>
             <a:r>
               <a:rPr lang="da-DK" sz="2800"/>
-              <a:t>_licensePlate</a:t>
+              <a:t>LicensePlate</a:t>
             </a:r>
           </a:p>
           <a:p>
             <a:r>
               <a:rPr lang="da-DK" sz="2800"/>
-              <a:t>_price</a:t>
+              <a:t>Price</a:t>
             </a:r>
           </a:p>
         </p:txBody>
@@ -3560,13 +3785,13 @@
           <a:p>
             <a:r>
               <a:rPr lang="da-DK" sz="2800"/>
-              <a:t>_licensePlate</a:t>
+              <a:t>LicensePlate</a:t>
             </a:r>
           </a:p>
           <a:p>
             <a:r>
               <a:rPr lang="da-DK" sz="2800"/>
-              <a:t>_price</a:t>
+              <a:t>Price</a:t>
             </a:r>
           </a:p>
         </p:txBody>
@@ -3608,13 +3833,13 @@
           <a:p>
             <a:r>
               <a:rPr lang="da-DK" sz="2800"/>
-              <a:t>_licensePlate</a:t>
+              <a:t>LicensePlate</a:t>
             </a:r>
           </a:p>
           <a:p>
             <a:r>
               <a:rPr lang="da-DK" sz="2800"/>
-              <a:t>_price</a:t>
+              <a:t>Price</a:t>
             </a:r>
           </a:p>
         </p:txBody>
@@ -3629,6 +3854,18 @@
   <p:clrMapOvr>
     <a:masterClrMapping/>
   </p:clrMapOvr>
+  <mc:AlternateContent xmlns:mc="http://schemas.openxmlformats.org/markup-compatibility/2006">
+    <mc:Choice xmlns:p14="http://schemas.microsoft.com/office/powerpoint/2010/main" Requires="p14">
+      <p:transition spd="med" p14:dur="700">
+        <p:fade/>
+      </p:transition>
+    </mc:Choice>
+    <mc:Fallback>
+      <p:transition spd="med">
+        <p:fade/>
+      </p:transition>
+    </mc:Fallback>
+  </mc:AlternateContent>
   <p:timing>
     <p:tnLst>
       <p:par>
@@ -3852,7 +4089,7 @@
         <p:spPr>
           <a:xfrm>
             <a:off x="920415" y="672345"/>
-            <a:ext cx="10485521" cy="2677656"/>
+            <a:ext cx="10485521" cy="3539430"/>
           </a:xfrm>
           <a:prstGeom prst="rect">
             <a:avLst/>
@@ -3924,16 +4161,21 @@
               <a:rPr lang="da-DK" sz="2800" b="1">
                 <a:latin typeface="Consolas" panose="020B0609020204030204" pitchFamily="49" charset="0"/>
               </a:rPr>
-              <a:t>    _licensePlate = licensePlate;</a:t>
-            </a:r>
-          </a:p>
-          <a:p>
-            <a:r>
-              <a:rPr lang="da-DK" sz="2800" b="1">
-                <a:latin typeface="Consolas" panose="020B0609020204030204" pitchFamily="49" charset="0"/>
-              </a:rPr>
-              <a:t>    _brand = brand;</a:t>
-            </a:r>
+              <a:t>    LicensePlate = licensePlate;</a:t>
+            </a:r>
+          </a:p>
+          <a:p>
+            <a:r>
+              <a:rPr lang="da-DK" sz="2800" b="1">
+                <a:latin typeface="Consolas" panose="020B0609020204030204" pitchFamily="49" charset="0"/>
+              </a:rPr>
+              <a:t>    Price = price;</a:t>
+            </a:r>
+          </a:p>
+          <a:p>
+            <a:endParaRPr lang="da-DK" sz="2800" b="1">
+              <a:latin typeface="Consolas" panose="020B0609020204030204" pitchFamily="49" charset="0"/>
+            </a:endParaRPr>
           </a:p>
           <a:p>
             <a:r>
@@ -3950,6 +4192,11 @@
               </a:rPr>
               <a:t>}</a:t>
             </a:r>
+          </a:p>
+          <a:p>
+            <a:endParaRPr lang="da-DK" sz="2800" b="1">
+              <a:latin typeface="Consolas" panose="020B0609020204030204" pitchFamily="49" charset="0"/>
+            </a:endParaRPr>
           </a:p>
         </p:txBody>
       </p:sp>
@@ -3963,6 +4210,18 @@
   <p:clrMapOvr>
     <a:masterClrMapping/>
   </p:clrMapOvr>
+  <mc:AlternateContent xmlns:mc="http://schemas.openxmlformats.org/markup-compatibility/2006">
+    <mc:Choice xmlns:p14="http://schemas.microsoft.com/office/powerpoint/2010/main" Requires="p14">
+      <p:transition spd="med" p14:dur="700">
+        <p:fade/>
+      </p:transition>
+    </mc:Choice>
+    <mc:Fallback>
+      <p:transition spd="med">
+        <p:fade/>
+      </p:transition>
+    </mc:Fallback>
+  </mc:AlternateContent>
 </p:sld>
 </file>
 
@@ -4024,6 +4283,18 @@
   <p:clrMapOvr>
     <a:masterClrMapping/>
   </p:clrMapOvr>
+  <mc:AlternateContent xmlns:mc="http://schemas.openxmlformats.org/markup-compatibility/2006">
+    <mc:Choice xmlns:p14="http://schemas.microsoft.com/office/powerpoint/2010/main" Requires="p14">
+      <p:transition spd="med" p14:dur="700">
+        <p:fade/>
+      </p:transition>
+    </mc:Choice>
+    <mc:Fallback>
+      <p:transition spd="med">
+        <p:fade/>
+      </p:transition>
+    </mc:Fallback>
+  </mc:AlternateContent>
 </p:sld>
 </file>
 
@@ -4112,13 +4383,13 @@
           <a:p>
             <a:r>
               <a:rPr lang="da-DK" sz="2800"/>
-              <a:t>_licensePlate</a:t>
+              <a:t>LicensePlate</a:t>
             </a:r>
           </a:p>
           <a:p>
             <a:r>
               <a:rPr lang="da-DK" sz="2800"/>
-              <a:t>_price</a:t>
+              <a:t>Price</a:t>
             </a:r>
           </a:p>
         </p:txBody>
@@ -4133,13 +4404,13 @@
   <p:clrMapOvr>
     <a:masterClrMapping/>
   </p:clrMapOvr>
-  <mc:AlternateContent xmlns:mc="http://schemas.openxmlformats.org/markup-compatibility/2006" xmlns:p14="http://schemas.microsoft.com/office/powerpoint/2010/main">
-    <mc:Choice Requires="p14">
+  <mc:AlternateContent xmlns:mc="http://schemas.openxmlformats.org/markup-compatibility/2006">
+    <mc:Choice xmlns:p14="http://schemas.microsoft.com/office/powerpoint/2010/main" Requires="p14">
       <p:transition spd="med" p14:dur="700">
         <p:fade/>
       </p:transition>
     </mc:Choice>
-    <mc:Fallback xmlns="">
+    <mc:Fallback>
       <p:transition spd="med">
         <p:fade/>
       </p:transition>
@@ -4202,13 +4473,13 @@
           <a:p>
             <a:r>
               <a:rPr lang="da-DK" sz="2800"/>
-              <a:t>_licensePlate</a:t>
+              <a:t>LicensePlate</a:t>
             </a:r>
           </a:p>
           <a:p>
             <a:r>
               <a:rPr lang="da-DK" sz="2800"/>
-              <a:t>_price</a:t>
+              <a:t>Price</a:t>
             </a:r>
           </a:p>
         </p:txBody>
@@ -4281,13 +4552,13 @@
           <a:p>
             <a:r>
               <a:rPr lang="da-DK" sz="2800"/>
-              <a:t>_licensePlate</a:t>
+              <a:t>LicensePlate</a:t>
             </a:r>
           </a:p>
           <a:p>
             <a:r>
               <a:rPr lang="da-DK" sz="2800"/>
-              <a:t>_price</a:t>
+              <a:t>Price</a:t>
             </a:r>
           </a:p>
         </p:txBody>
@@ -4302,13 +4573,13 @@
   <p:clrMapOvr>
     <a:masterClrMapping/>
   </p:clrMapOvr>
-  <mc:AlternateContent xmlns:mc="http://schemas.openxmlformats.org/markup-compatibility/2006" xmlns:p14="http://schemas.microsoft.com/office/powerpoint/2010/main">
-    <mc:Choice Requires="p14">
+  <mc:AlternateContent xmlns:mc="http://schemas.openxmlformats.org/markup-compatibility/2006">
+    <mc:Choice xmlns:p14="http://schemas.microsoft.com/office/powerpoint/2010/main" Requires="p14">
       <p:transition spd="med" p14:dur="700">
         <p:fade/>
       </p:transition>
     </mc:Choice>
-    <mc:Fallback xmlns="">
+    <mc:Fallback>
       <p:transition spd="med">
         <p:fade/>
       </p:transition>
@@ -4371,13 +4642,13 @@
           <a:p>
             <a:r>
               <a:rPr lang="da-DK" sz="2800"/>
-              <a:t>_licensePlate</a:t>
+              <a:t>LicensePlate</a:t>
             </a:r>
           </a:p>
           <a:p>
             <a:r>
               <a:rPr lang="da-DK" sz="2800"/>
-              <a:t>_price</a:t>
+              <a:t>Price</a:t>
             </a:r>
           </a:p>
         </p:txBody>
@@ -4450,13 +4721,13 @@
           <a:p>
             <a:r>
               <a:rPr lang="da-DK" sz="2800"/>
-              <a:t>_licensePlate</a:t>
+              <a:t>LicensePlate</a:t>
             </a:r>
           </a:p>
           <a:p>
             <a:r>
               <a:rPr lang="da-DK" sz="2800"/>
-              <a:t>_price</a:t>
+              <a:t>Price</a:t>
             </a:r>
           </a:p>
         </p:txBody>
@@ -4498,13 +4769,13 @@
           <a:p>
             <a:r>
               <a:rPr lang="da-DK" sz="2800"/>
-              <a:t>_licensePlate</a:t>
+              <a:t>LicensePlate</a:t>
             </a:r>
           </a:p>
           <a:p>
             <a:r>
               <a:rPr lang="da-DK" sz="2800"/>
-              <a:t>_price</a:t>
+              <a:t>Price</a:t>
             </a:r>
           </a:p>
         </p:txBody>
@@ -4519,13 +4790,13 @@
   <p:clrMapOvr>
     <a:masterClrMapping/>
   </p:clrMapOvr>
-  <mc:AlternateContent xmlns:mc="http://schemas.openxmlformats.org/markup-compatibility/2006" xmlns:p14="http://schemas.microsoft.com/office/powerpoint/2010/main">
-    <mc:Choice Requires="p14">
+  <mc:AlternateContent xmlns:mc="http://schemas.openxmlformats.org/markup-compatibility/2006">
+    <mc:Choice xmlns:p14="http://schemas.microsoft.com/office/powerpoint/2010/main" Requires="p14">
       <p:transition spd="med" p14:dur="700">
         <p:fade/>
       </p:transition>
     </mc:Choice>
-    <mc:Fallback xmlns="">
+    <mc:Fallback>
       <p:transition spd="med">
         <p:fade/>
       </p:transition>
@@ -4667,6 +4938,18 @@
   <p:clrMapOvr>
     <a:masterClrMapping/>
   </p:clrMapOvr>
+  <mc:AlternateContent xmlns:mc="http://schemas.openxmlformats.org/markup-compatibility/2006">
+    <mc:Choice xmlns:p14="http://schemas.microsoft.com/office/powerpoint/2010/main" Requires="p14">
+      <p:transition spd="med" p14:dur="700">
+        <p:fade/>
+      </p:transition>
+    </mc:Choice>
+    <mc:Fallback>
+      <p:transition spd="med">
+        <p:fade/>
+      </p:transition>
+    </mc:Fallback>
+  </mc:AlternateContent>
 </p:sld>
 </file>
 
@@ -4758,13 +5041,28 @@
                 </a:solidFill>
                 <a:latin typeface="Consolas" panose="020B0609020204030204" pitchFamily="49" charset="0"/>
               </a:rPr>
-              <a:t>private string </a:t>
-            </a:r>
-            <a:r>
-              <a:rPr lang="da-DK" sz="2800" b="1">
-                <a:latin typeface="Consolas" panose="020B0609020204030204" pitchFamily="49" charset="0"/>
-              </a:rPr>
-              <a:t>_licensePlate;</a:t>
+              <a:t>public string </a:t>
+            </a:r>
+            <a:r>
+              <a:rPr lang="da-DK" sz="2800" b="1">
+                <a:latin typeface="Consolas" panose="020B0609020204030204" pitchFamily="49" charset="0"/>
+              </a:rPr>
+              <a:t>LicensePlate { </a:t>
+            </a:r>
+            <a:r>
+              <a:rPr lang="da-DK" sz="2800" b="1">
+                <a:solidFill>
+                  <a:srgbClr val="0070C0"/>
+                </a:solidFill>
+                <a:latin typeface="Consolas" panose="020B0609020204030204" pitchFamily="49" charset="0"/>
+              </a:rPr>
+              <a:t>get</a:t>
+            </a:r>
+            <a:r>
+              <a:rPr lang="da-DK" sz="2800" b="1">
+                <a:latin typeface="Consolas" panose="020B0609020204030204" pitchFamily="49" charset="0"/>
+              </a:rPr>
+              <a:t>; }</a:t>
             </a:r>
           </a:p>
           <a:p>
@@ -4781,13 +5079,43 @@
                 </a:solidFill>
                 <a:latin typeface="Consolas" panose="020B0609020204030204" pitchFamily="49" charset="0"/>
               </a:rPr>
-              <a:t>private int </a:t>
-            </a:r>
-            <a:r>
-              <a:rPr lang="da-DK" sz="2800" b="1">
-                <a:latin typeface="Consolas" panose="020B0609020204030204" pitchFamily="49" charset="0"/>
-              </a:rPr>
-              <a:t>_price;</a:t>
+              <a:t>public int </a:t>
+            </a:r>
+            <a:r>
+              <a:rPr lang="da-DK" sz="2800" b="1">
+                <a:latin typeface="Consolas" panose="020B0609020204030204" pitchFamily="49" charset="0"/>
+              </a:rPr>
+              <a:t>Price { </a:t>
+            </a:r>
+            <a:r>
+              <a:rPr lang="da-DK" sz="2800" b="1">
+                <a:solidFill>
+                  <a:srgbClr val="0070C0"/>
+                </a:solidFill>
+                <a:latin typeface="Consolas" panose="020B0609020204030204" pitchFamily="49" charset="0"/>
+              </a:rPr>
+              <a:t>get</a:t>
+            </a:r>
+            <a:r>
+              <a:rPr lang="da-DK" sz="2800" b="1">
+                <a:latin typeface="Consolas" panose="020B0609020204030204" pitchFamily="49" charset="0"/>
+              </a:rPr>
+              <a:t>; </a:t>
+            </a:r>
+            <a:r>
+              <a:rPr lang="da-DK" sz="2800" b="1">
+                <a:solidFill>
+                  <a:srgbClr val="0070C0"/>
+                </a:solidFill>
+                <a:latin typeface="Consolas" panose="020B0609020204030204" pitchFamily="49" charset="0"/>
+              </a:rPr>
+              <a:t>set</a:t>
+            </a:r>
+            <a:r>
+              <a:rPr lang="da-DK" sz="2800" b="1">
+                <a:latin typeface="Consolas" panose="020B0609020204030204" pitchFamily="49" charset="0"/>
+              </a:rPr>
+              <a:t>; }</a:t>
             </a:r>
           </a:p>
           <a:p>
@@ -4866,13 +5194,13 @@
   <p:clrMapOvr>
     <a:masterClrMapping/>
   </p:clrMapOvr>
-  <mc:AlternateContent xmlns:mc="http://schemas.openxmlformats.org/markup-compatibility/2006" xmlns:p14="http://schemas.microsoft.com/office/powerpoint/2010/main">
-    <mc:Choice Requires="p14">
+  <mc:AlternateContent xmlns:mc="http://schemas.openxmlformats.org/markup-compatibility/2006">
+    <mc:Choice xmlns:p14="http://schemas.microsoft.com/office/powerpoint/2010/main" Requires="p14">
       <p:transition spd="med" p14:dur="700">
         <p:fade/>
       </p:transition>
     </mc:Choice>
-    <mc:Fallback xmlns="">
+    <mc:Fallback>
       <p:transition spd="med">
         <p:fade/>
       </p:transition>
@@ -4986,6 +5314,18 @@
   <p:clrMapOvr>
     <a:masterClrMapping/>
   </p:clrMapOvr>
+  <mc:AlternateContent xmlns:mc="http://schemas.openxmlformats.org/markup-compatibility/2006">
+    <mc:Choice xmlns:p14="http://schemas.microsoft.com/office/powerpoint/2010/main" Requires="p14">
+      <p:transition spd="med" p14:dur="700">
+        <p:fade/>
+      </p:transition>
+    </mc:Choice>
+    <mc:Fallback>
+      <p:transition spd="med">
+        <p:fade/>
+      </p:transition>
+    </mc:Fallback>
+  </mc:AlternateContent>
 </p:sld>
 </file>
 
@@ -5080,13 +5420,13 @@
   <p:clrMapOvr>
     <a:masterClrMapping/>
   </p:clrMapOvr>
-  <mc:AlternateContent xmlns:mc="http://schemas.openxmlformats.org/markup-compatibility/2006" xmlns:p14="http://schemas.microsoft.com/office/powerpoint/2010/main">
-    <mc:Choice Requires="p14">
+  <mc:AlternateContent xmlns:mc="http://schemas.openxmlformats.org/markup-compatibility/2006">
+    <mc:Choice xmlns:p14="http://schemas.microsoft.com/office/powerpoint/2010/main" Requires="p14">
       <p:transition spd="med" p14:dur="700">
         <p:fade/>
       </p:transition>
     </mc:Choice>
-    <mc:Fallback xmlns="">
+    <mc:Fallback>
       <p:transition spd="med">
         <p:fade/>
       </p:transition>
@@ -5317,6 +5657,18 @@
   <p:clrMapOvr>
     <a:masterClrMapping/>
   </p:clrMapOvr>
+  <mc:AlternateContent xmlns:mc="http://schemas.openxmlformats.org/markup-compatibility/2006">
+    <mc:Choice xmlns:p14="http://schemas.microsoft.com/office/powerpoint/2010/main" Requires="p14">
+      <p:transition spd="med" p14:dur="700">
+        <p:fade/>
+      </p:transition>
+    </mc:Choice>
+    <mc:Fallback>
+      <p:transition spd="med">
+        <p:fade/>
+      </p:transition>
+    </mc:Fallback>
+  </mc:AlternateContent>
 </p:sld>
 </file>
 
@@ -5463,6 +5815,18 @@
   <p:clrMapOvr>
     <a:masterClrMapping/>
   </p:clrMapOvr>
+  <mc:AlternateContent xmlns:mc="http://schemas.openxmlformats.org/markup-compatibility/2006">
+    <mc:Choice xmlns:p14="http://schemas.microsoft.com/office/powerpoint/2010/main" Requires="p14">
+      <p:transition spd="med" p14:dur="700">
+        <p:fade/>
+      </p:transition>
+    </mc:Choice>
+    <mc:Fallback>
+      <p:transition spd="med">
+        <p:fade/>
+      </p:transition>
+    </mc:Fallback>
+  </mc:AlternateContent>
 </p:sld>
 </file>
 
@@ -5645,13 +6009,13 @@
   <p:clrMapOvr>
     <a:masterClrMapping/>
   </p:clrMapOvr>
-  <mc:AlternateContent xmlns:mc="http://schemas.openxmlformats.org/markup-compatibility/2006" xmlns:p14="http://schemas.microsoft.com/office/powerpoint/2010/main">
-    <mc:Choice Requires="p14">
+  <mc:AlternateContent xmlns:mc="http://schemas.openxmlformats.org/markup-compatibility/2006">
+    <mc:Choice xmlns:p14="http://schemas.microsoft.com/office/powerpoint/2010/main" Requires="p14">
       <p:transition spd="med" p14:dur="700">
         <p:fade/>
       </p:transition>
     </mc:Choice>
-    <mc:Fallback xmlns="">
+    <mc:Fallback>
       <p:transition spd="med">
         <p:fade/>
       </p:transition>
@@ -5766,13 +6130,13 @@
   <p:clrMapOvr>
     <a:masterClrMapping/>
   </p:clrMapOvr>
-  <mc:AlternateContent xmlns:mc="http://schemas.openxmlformats.org/markup-compatibility/2006" xmlns:p14="http://schemas.microsoft.com/office/powerpoint/2010/main">
-    <mc:Choice Requires="p14">
+  <mc:AlternateContent xmlns:mc="http://schemas.openxmlformats.org/markup-compatibility/2006">
+    <mc:Choice xmlns:p14="http://schemas.microsoft.com/office/powerpoint/2010/main" Requires="p14">
       <p:transition spd="med" p14:dur="700">
         <p:fade/>
       </p:transition>
     </mc:Choice>
-    <mc:Fallback xmlns="">
+    <mc:Fallback>
       <p:transition spd="med">
         <p:fade/>
       </p:transition>
@@ -5960,6 +6324,18 @@
   <p:clrMapOvr>
     <a:masterClrMapping/>
   </p:clrMapOvr>
+  <mc:AlternateContent xmlns:mc="http://schemas.openxmlformats.org/markup-compatibility/2006">
+    <mc:Choice xmlns:p14="http://schemas.microsoft.com/office/powerpoint/2010/main" Requires="p14">
+      <p:transition spd="med" p14:dur="700">
+        <p:fade/>
+      </p:transition>
+    </mc:Choice>
+    <mc:Fallback>
+      <p:transition spd="med">
+        <p:fade/>
+      </p:transition>
+    </mc:Fallback>
+  </mc:AlternateContent>
 </p:sld>
 </file>
 
@@ -6262,6 +6638,18 @@
   <p:clrMapOvr>
     <a:masterClrMapping/>
   </p:clrMapOvr>
+  <mc:AlternateContent xmlns:mc="http://schemas.openxmlformats.org/markup-compatibility/2006">
+    <mc:Choice xmlns:p14="http://schemas.microsoft.com/office/powerpoint/2010/main" Requires="p14">
+      <p:transition spd="med" p14:dur="700">
+        <p:fade/>
+      </p:transition>
+    </mc:Choice>
+    <mc:Fallback>
+      <p:transition spd="med">
+        <p:fade/>
+      </p:transition>
+    </mc:Fallback>
+  </mc:AlternateContent>
 </p:sld>
 </file>
 
@@ -6366,6 +6754,18 @@
   <p:clrMapOvr>
     <a:masterClrMapping/>
   </p:clrMapOvr>
+  <mc:AlternateContent xmlns:mc="http://schemas.openxmlformats.org/markup-compatibility/2006">
+    <mc:Choice xmlns:p14="http://schemas.microsoft.com/office/powerpoint/2010/main" Requires="p14">
+      <p:transition spd="med" p14:dur="700">
+        <p:fade/>
+      </p:transition>
+    </mc:Choice>
+    <mc:Fallback>
+      <p:transition spd="med">
+        <p:fade/>
+      </p:transition>
+    </mc:Fallback>
+  </mc:AlternateContent>
 </p:sld>
 </file>
 
@@ -6516,13 +6916,13 @@
   <p:clrMapOvr>
     <a:masterClrMapping/>
   </p:clrMapOvr>
-  <mc:AlternateContent xmlns:mc="http://schemas.openxmlformats.org/markup-compatibility/2006" xmlns:p14="http://schemas.microsoft.com/office/powerpoint/2010/main">
-    <mc:Choice Requires="p14">
+  <mc:AlternateContent xmlns:mc="http://schemas.openxmlformats.org/markup-compatibility/2006">
+    <mc:Choice xmlns:p14="http://schemas.microsoft.com/office/powerpoint/2010/main" Requires="p14">
       <p:transition spd="med" p14:dur="700">
         <p:fade/>
       </p:transition>
     </mc:Choice>
-    <mc:Fallback xmlns="">
+    <mc:Fallback>
       <p:transition spd="med">
         <p:fade/>
       </p:transition>
@@ -6988,6 +7388,18 @@
   <p:clrMapOvr>
     <a:masterClrMapping/>
   </p:clrMapOvr>
+  <mc:AlternateContent xmlns:mc="http://schemas.openxmlformats.org/markup-compatibility/2006">
+    <mc:Choice xmlns:p14="http://schemas.microsoft.com/office/powerpoint/2010/main" Requires="p14">
+      <p:transition spd="med" p14:dur="700">
+        <p:fade/>
+      </p:transition>
+    </mc:Choice>
+    <mc:Fallback>
+      <p:transition spd="med">
+        <p:fade/>
+      </p:transition>
+    </mc:Fallback>
+  </mc:AlternateContent>
 </p:sld>
 </file>
 
